--- a/changgyu_참고자료/iros_system.pptx
+++ b/changgyu_참고자료/iros_system.pptx
@@ -104,6 +104,11 @@
       </a:defRPr>
     </a:lvl9pPr>
   </p:defaultTextStyle>
+  <p:extLst>
+    <p:ext uri="{EFAFB233-063F-42B5-8137-9DF3F51BA10A}">
+      <p15:sldGuideLst xmlns:p15="http://schemas.microsoft.com/office/powerpoint/2012/main"/>
+    </p:ext>
+  </p:extLst>
 </p:presentation>
 </file>
 
@@ -238,7 +243,7 @@
           <a:p>
             <a:fld id="{8456FEDC-B1B1-4DEB-B48D-56174963E064}" type="datetimeFigureOut">
               <a:rPr lang="ko-KR" altLang="en-US" smtClean="0"/>
-              <a:t>2019-02-09</a:t>
+              <a:t>2019-02-22</a:t>
             </a:fld>
             <a:endParaRPr lang="ko-KR" altLang="en-US"/>
           </a:p>
@@ -408,7 +413,7 @@
           <a:p>
             <a:fld id="{8456FEDC-B1B1-4DEB-B48D-56174963E064}" type="datetimeFigureOut">
               <a:rPr lang="ko-KR" altLang="en-US" smtClean="0"/>
-              <a:t>2019-02-09</a:t>
+              <a:t>2019-02-22</a:t>
             </a:fld>
             <a:endParaRPr lang="ko-KR" altLang="en-US"/>
           </a:p>
@@ -588,7 +593,7 @@
           <a:p>
             <a:fld id="{8456FEDC-B1B1-4DEB-B48D-56174963E064}" type="datetimeFigureOut">
               <a:rPr lang="ko-KR" altLang="en-US" smtClean="0"/>
-              <a:t>2019-02-09</a:t>
+              <a:t>2019-02-22</a:t>
             </a:fld>
             <a:endParaRPr lang="ko-KR" altLang="en-US"/>
           </a:p>
@@ -758,7 +763,7 @@
           <a:p>
             <a:fld id="{8456FEDC-B1B1-4DEB-B48D-56174963E064}" type="datetimeFigureOut">
               <a:rPr lang="ko-KR" altLang="en-US" smtClean="0"/>
-              <a:t>2019-02-09</a:t>
+              <a:t>2019-02-22</a:t>
             </a:fld>
             <a:endParaRPr lang="ko-KR" altLang="en-US"/>
           </a:p>
@@ -1002,7 +1007,7 @@
           <a:p>
             <a:fld id="{8456FEDC-B1B1-4DEB-B48D-56174963E064}" type="datetimeFigureOut">
               <a:rPr lang="ko-KR" altLang="en-US" smtClean="0"/>
-              <a:t>2019-02-09</a:t>
+              <a:t>2019-02-22</a:t>
             </a:fld>
             <a:endParaRPr lang="ko-KR" altLang="en-US"/>
           </a:p>
@@ -1234,7 +1239,7 @@
           <a:p>
             <a:fld id="{8456FEDC-B1B1-4DEB-B48D-56174963E064}" type="datetimeFigureOut">
               <a:rPr lang="ko-KR" altLang="en-US" smtClean="0"/>
-              <a:t>2019-02-09</a:t>
+              <a:t>2019-02-22</a:t>
             </a:fld>
             <a:endParaRPr lang="ko-KR" altLang="en-US"/>
           </a:p>
@@ -1601,7 +1606,7 @@
           <a:p>
             <a:fld id="{8456FEDC-B1B1-4DEB-B48D-56174963E064}" type="datetimeFigureOut">
               <a:rPr lang="ko-KR" altLang="en-US" smtClean="0"/>
-              <a:t>2019-02-09</a:t>
+              <a:t>2019-02-22</a:t>
             </a:fld>
             <a:endParaRPr lang="ko-KR" altLang="en-US"/>
           </a:p>
@@ -1719,7 +1724,7 @@
           <a:p>
             <a:fld id="{8456FEDC-B1B1-4DEB-B48D-56174963E064}" type="datetimeFigureOut">
               <a:rPr lang="ko-KR" altLang="en-US" smtClean="0"/>
-              <a:t>2019-02-09</a:t>
+              <a:t>2019-02-22</a:t>
             </a:fld>
             <a:endParaRPr lang="ko-KR" altLang="en-US"/>
           </a:p>
@@ -1814,7 +1819,7 @@
           <a:p>
             <a:fld id="{8456FEDC-B1B1-4DEB-B48D-56174963E064}" type="datetimeFigureOut">
               <a:rPr lang="ko-KR" altLang="en-US" smtClean="0"/>
-              <a:t>2019-02-09</a:t>
+              <a:t>2019-02-22</a:t>
             </a:fld>
             <a:endParaRPr lang="ko-KR" altLang="en-US"/>
           </a:p>
@@ -2091,7 +2096,7 @@
           <a:p>
             <a:fld id="{8456FEDC-B1B1-4DEB-B48D-56174963E064}" type="datetimeFigureOut">
               <a:rPr lang="ko-KR" altLang="en-US" smtClean="0"/>
-              <a:t>2019-02-09</a:t>
+              <a:t>2019-02-22</a:t>
             </a:fld>
             <a:endParaRPr lang="ko-KR" altLang="en-US"/>
           </a:p>
@@ -2348,7 +2353,7 @@
           <a:p>
             <a:fld id="{8456FEDC-B1B1-4DEB-B48D-56174963E064}" type="datetimeFigureOut">
               <a:rPr lang="ko-KR" altLang="en-US" smtClean="0"/>
-              <a:t>2019-02-09</a:t>
+              <a:t>2019-02-22</a:t>
             </a:fld>
             <a:endParaRPr lang="ko-KR" altLang="en-US"/>
           </a:p>
@@ -2561,7 +2566,7 @@
           <a:p>
             <a:fld id="{8456FEDC-B1B1-4DEB-B48D-56174963E064}" type="datetimeFigureOut">
               <a:rPr lang="ko-KR" altLang="en-US" smtClean="0"/>
-              <a:t>2019-02-09</a:t>
+              <a:t>2019-02-22</a:t>
             </a:fld>
             <a:endParaRPr lang="ko-KR" altLang="en-US"/>
           </a:p>
@@ -2974,7 +2979,7 @@
           </p:cNvPicPr>
           <p:nvPr/>
         </p:nvPicPr>
-        <p:blipFill>
+        <p:blipFill rotWithShape="1">
           <a:blip r:embed="rId2" cstate="print">
             <a:extLst>
               <a:ext uri="{28A0092B-C50C-407E-A947-70E740481C1C}">
@@ -2982,14 +2987,13 @@
               </a:ext>
             </a:extLst>
           </a:blip>
-          <a:stretch>
-            <a:fillRect/>
-          </a:stretch>
+          <a:srcRect l="-1" r="39655" b="39578"/>
+          <a:stretch/>
         </p:blipFill>
         <p:spPr>
           <a:xfrm>
             <a:off x="0" y="0"/>
-            <a:ext cx="9144000" cy="6858000"/>
+            <a:ext cx="9132425" cy="6858000"/>
           </a:xfrm>
           <a:prstGeom prst="rect">
             <a:avLst/>
@@ -3004,18 +3008,16 @@
         </p:nvSpPr>
         <p:spPr>
           <a:xfrm>
-            <a:off x="1863169" y="315725"/>
+            <a:off x="3205832" y="605092"/>
             <a:ext cx="290946" cy="324196"/>
           </a:xfrm>
           <a:prstGeom prst="ellipse">
             <a:avLst/>
           </a:prstGeom>
           <a:noFill/>
-          <a:ln w="38100">
+          <a:ln w="63500">
             <a:solidFill>
-              <a:schemeClr val="accent6">
-                <a:lumMod val="50000"/>
-              </a:schemeClr>
+              <a:schemeClr val="tx1"/>
             </a:solidFill>
           </a:ln>
         </p:spPr>
@@ -3052,18 +3054,16 @@
         </p:nvSpPr>
         <p:spPr>
           <a:xfrm>
-            <a:off x="168546" y="3343102"/>
-            <a:ext cx="429492" cy="429490"/>
+            <a:off x="249566" y="5646463"/>
+            <a:ext cx="871200" cy="870084"/>
           </a:xfrm>
           <a:prstGeom prst="ellipse">
             <a:avLst/>
           </a:prstGeom>
           <a:noFill/>
-          <a:ln w="38100">
+          <a:ln w="63500">
             <a:solidFill>
-              <a:schemeClr val="accent2">
-                <a:lumMod val="50000"/>
-              </a:schemeClr>
+              <a:schemeClr val="tx1"/>
             </a:solidFill>
           </a:ln>
         </p:spPr>
@@ -3100,18 +3100,16 @@
         </p:nvSpPr>
         <p:spPr>
           <a:xfrm>
-            <a:off x="3599676" y="2804799"/>
-            <a:ext cx="682177" cy="1231029"/>
+            <a:off x="6285004" y="4703047"/>
+            <a:ext cx="424800" cy="424538"/>
           </a:xfrm>
           <a:prstGeom prst="ellipse">
             <a:avLst/>
           </a:prstGeom>
           <a:noFill/>
-          <a:ln w="38100">
+          <a:ln w="63500">
             <a:solidFill>
-              <a:schemeClr val="accent5">
-                <a:lumMod val="50000"/>
-              </a:schemeClr>
+              <a:schemeClr val="tx1"/>
             </a:solidFill>
           </a:ln>
         </p:spPr>
@@ -3148,13 +3146,18 @@
         </p:nvSpPr>
         <p:spPr>
           <a:xfrm>
-            <a:off x="2074983" y="92546"/>
-            <a:ext cx="4026877" cy="523220"/>
+            <a:off x="3602844" y="474513"/>
+            <a:ext cx="4325814" cy="584775"/>
           </a:xfrm>
           <a:prstGeom prst="rect">
             <a:avLst/>
           </a:prstGeom>
-          <a:noFill/>
+          <a:solidFill>
+            <a:schemeClr val="tx1"/>
+          </a:solidFill>
+          <a:ln>
+            <a:noFill/>
+          </a:ln>
         </p:spPr>
         <p:txBody>
           <a:bodyPr wrap="square" rtlCol="0">
@@ -3164,22 +3167,18 @@
           <a:p>
             <a:pPr algn="ctr"/>
             <a:r>
-              <a:rPr lang="en-US" altLang="ko-KR" sz="2800" b="1" dirty="0" smtClean="0">
+              <a:rPr lang="en-US" altLang="ko-KR" sz="3200" b="1" dirty="0" smtClean="0">
                 <a:solidFill>
-                  <a:schemeClr val="accent6">
-                    <a:lumMod val="50000"/>
-                  </a:schemeClr>
+                  <a:schemeClr val="bg1"/>
                 </a:solidFill>
                 <a:latin typeface="Times New Roman" panose="02020603050405020304" pitchFamily="18" charset="0"/>
                 <a:cs typeface="Times New Roman" panose="02020603050405020304" pitchFamily="18" charset="0"/>
               </a:rPr>
               <a:t>Motion capture camera</a:t>
             </a:r>
-            <a:endParaRPr lang="ko-KR" altLang="en-US" sz="2800" b="1" dirty="0">
+            <a:endParaRPr lang="ko-KR" altLang="en-US" sz="3200" b="1" dirty="0">
               <a:solidFill>
-                <a:schemeClr val="accent6">
-                  <a:lumMod val="50000"/>
-                </a:schemeClr>
+                <a:schemeClr val="bg1"/>
               </a:solidFill>
               <a:latin typeface="Times New Roman" panose="02020603050405020304" pitchFamily="18" charset="0"/>
               <a:cs typeface="Times New Roman" panose="02020603050405020304" pitchFamily="18" charset="0"/>
@@ -3195,13 +3194,18 @@
         </p:nvSpPr>
         <p:spPr>
           <a:xfrm>
-            <a:off x="474945" y="3053180"/>
-            <a:ext cx="2250669" cy="954107"/>
+            <a:off x="1186658" y="5318005"/>
+            <a:ext cx="2679286" cy="1077218"/>
           </a:xfrm>
           <a:prstGeom prst="rect">
             <a:avLst/>
           </a:prstGeom>
-          <a:noFill/>
+          <a:solidFill>
+            <a:schemeClr val="tx1"/>
+          </a:solidFill>
+          <a:ln>
+            <a:noFill/>
+          </a:ln>
         </p:spPr>
         <p:txBody>
           <a:bodyPr wrap="square" rtlCol="0">
@@ -3211,22 +3215,18 @@
           <a:p>
             <a:pPr algn="ctr"/>
             <a:r>
-              <a:rPr lang="en-US" altLang="ko-KR" sz="2800" b="1" dirty="0" smtClean="0">
+              <a:rPr lang="en-US" altLang="ko-KR" sz="3200" b="1" dirty="0" smtClean="0">
                 <a:solidFill>
-                  <a:schemeClr val="accent2">
-                    <a:lumMod val="50000"/>
-                  </a:schemeClr>
+                  <a:schemeClr val="bg1"/>
                 </a:solidFill>
                 <a:latin typeface="Times New Roman" panose="02020603050405020304" pitchFamily="18" charset="0"/>
                 <a:cs typeface="Times New Roman" panose="02020603050405020304" pitchFamily="18" charset="0"/>
               </a:rPr>
               <a:t>Anchor node (AN)</a:t>
             </a:r>
-            <a:endParaRPr lang="ko-KR" altLang="en-US" sz="2800" b="1" dirty="0">
+            <a:endParaRPr lang="ko-KR" altLang="en-US" sz="3200" b="1" dirty="0">
               <a:solidFill>
-                <a:schemeClr val="accent2">
-                  <a:lumMod val="50000"/>
-                </a:schemeClr>
+                <a:schemeClr val="bg1"/>
               </a:solidFill>
               <a:latin typeface="Times New Roman" panose="02020603050405020304" pitchFamily="18" charset="0"/>
               <a:cs typeface="Times New Roman" panose="02020603050405020304" pitchFamily="18" charset="0"/>
@@ -3242,13 +3242,18 @@
         </p:nvSpPr>
         <p:spPr>
           <a:xfrm>
-            <a:off x="4281853" y="2943259"/>
-            <a:ext cx="1593274" cy="954107"/>
+            <a:off x="5496219" y="3429000"/>
+            <a:ext cx="2002369" cy="1077218"/>
           </a:xfrm>
           <a:prstGeom prst="rect">
             <a:avLst/>
           </a:prstGeom>
-          <a:noFill/>
+          <a:solidFill>
+            <a:schemeClr val="tx1"/>
+          </a:solidFill>
+          <a:ln>
+            <a:noFill/>
+          </a:ln>
         </p:spPr>
         <p:txBody>
           <a:bodyPr wrap="square" rtlCol="0">
@@ -3258,22 +3263,18 @@
           <a:p>
             <a:pPr algn="ctr"/>
             <a:r>
-              <a:rPr lang="en-US" altLang="ko-KR" sz="2800" b="1" dirty="0" smtClean="0">
+              <a:rPr lang="en-US" altLang="ko-KR" sz="3200" b="1" dirty="0" smtClean="0">
                 <a:solidFill>
-                  <a:schemeClr val="accent5">
-                    <a:lumMod val="50000"/>
-                  </a:schemeClr>
+                  <a:schemeClr val="bg1"/>
                 </a:solidFill>
                 <a:latin typeface="Times New Roman" panose="02020603050405020304" pitchFamily="18" charset="0"/>
                 <a:cs typeface="Times New Roman" panose="02020603050405020304" pitchFamily="18" charset="0"/>
               </a:rPr>
               <a:t>Tag node (TN)</a:t>
             </a:r>
-            <a:endParaRPr lang="ko-KR" altLang="en-US" sz="2800" b="1" dirty="0">
+            <a:endParaRPr lang="ko-KR" altLang="en-US" sz="3200" b="1" dirty="0">
               <a:solidFill>
-                <a:schemeClr val="accent5">
-                  <a:lumMod val="50000"/>
-                </a:schemeClr>
+                <a:schemeClr val="bg1"/>
               </a:solidFill>
               <a:latin typeface="Times New Roman" panose="02020603050405020304" pitchFamily="18" charset="0"/>
               <a:cs typeface="Times New Roman" panose="02020603050405020304" pitchFamily="18" charset="0"/>
